--- a/Presentations/TreatmentPatterns/Darwin Tutorial OHDSI Global 2024.pptx
+++ b/Presentations/TreatmentPatterns/Darwin Tutorial OHDSI Global 2024.pptx
@@ -282,7 +282,7 @@
           <a:p>
             <a:fld id="{21AF42B9-7F0C-4C28-919A-11D00243CE0C}" type="datetimeFigureOut">
               <a:rPr lang="nl-BE" smtClean="0"/>
-              <a:t>16/10/2024</a:t>
+              <a:t>22/10/2024</a:t>
             </a:fld>
             <a:endParaRPr lang="nl-BE" dirty="0"/>
           </a:p>
@@ -459,7 +459,7 @@
           <a:p>
             <a:fld id="{1B46342E-5BA4-4AB8-B3C4-EE89ACD3D43F}" type="datetimeFigureOut">
               <a:rPr lang="nl-BE" smtClean="0"/>
-              <a:t>16/10/2024</a:t>
+              <a:t>22/10/2024</a:t>
             </a:fld>
             <a:endParaRPr lang="nl-BE" dirty="0"/>
           </a:p>
@@ -1814,7 +1814,7 @@
           <a:p>
             <a:fld id="{80DD308B-ED36-E64B-93F9-7E67E07879F0}" type="datetime4">
               <a:rPr lang="en-US" altLang="en-US" smtClean="0"/>
-              <a:t>October 16, 2024</a:t>
+              <a:t>October 22, 2024</a:t>
             </a:fld>
             <a:endParaRPr lang="en-GB" altLang="en-US"/>
           </a:p>
@@ -2133,7 +2133,7 @@
           <a:p>
             <a:fld id="{464294A7-4450-7B45-96E4-7C6E7FEA6AD3}" type="datetime4">
               <a:rPr lang="en-US" altLang="en-US" smtClean="0"/>
-              <a:t>October 16, 2024</a:t>
+              <a:t>October 22, 2024</a:t>
             </a:fld>
             <a:endParaRPr lang="en-GB" altLang="en-US"/>
           </a:p>
@@ -2458,7 +2458,7 @@
           <a:p>
             <a:fld id="{92B47BF8-6ACE-D14D-B9E4-AE058DD2ED63}" type="datetime4">
               <a:rPr lang="en-US" altLang="en-US" smtClean="0"/>
-              <a:t>October 16, 2024</a:t>
+              <a:t>October 22, 2024</a:t>
             </a:fld>
             <a:endParaRPr lang="en-GB" altLang="en-US"/>
           </a:p>
@@ -2696,7 +2696,7 @@
           <a:p>
             <a:fld id="{92B47BF8-6ACE-D14D-B9E4-AE058DD2ED63}" type="datetime4">
               <a:rPr lang="en-US" altLang="en-US" smtClean="0"/>
-              <a:t>October 16, 2024</a:t>
+              <a:t>October 22, 2024</a:t>
             </a:fld>
             <a:endParaRPr lang="en-GB" altLang="en-US"/>
           </a:p>
@@ -3107,7 +3107,7 @@
           <a:p>
             <a:fld id="{558FA254-4C2D-BF42-90E9-EE5B4E8BE622}" type="datetime4">
               <a:rPr lang="en-US" altLang="en-US" smtClean="0"/>
-              <a:t>October 16, 2024</a:t>
+              <a:t>October 22, 2024</a:t>
             </a:fld>
             <a:endParaRPr lang="en-GB" altLang="en-US"/>
           </a:p>
@@ -3270,7 +3270,7 @@
           <a:p>
             <a:fld id="{73B7B2BF-0B26-8043-B02B-C92CE7DA1758}" type="datetime4">
               <a:rPr lang="en-US" altLang="en-US" smtClean="0"/>
-              <a:t>October 16, 2024</a:t>
+              <a:t>October 22, 2024</a:t>
             </a:fld>
             <a:endParaRPr lang="en-GB" altLang="en-US"/>
           </a:p>
@@ -3447,7 +3447,7 @@
           <a:p>
             <a:fld id="{73B7B2BF-0B26-8043-B02B-C92CE7DA1758}" type="datetime4">
               <a:rPr lang="en-US" altLang="en-US" smtClean="0"/>
-              <a:t>October 16, 2024</a:t>
+              <a:t>October 22, 2024</a:t>
             </a:fld>
             <a:endParaRPr lang="en-GB" altLang="en-US"/>
           </a:p>
@@ -3917,7 +3917,7 @@
           <a:p>
             <a:fld id="{92B47BF8-6ACE-D14D-B9E4-AE058DD2ED63}" type="datetime4">
               <a:rPr lang="en-US" altLang="en-US" smtClean="0"/>
-              <a:t>October 16, 2024</a:t>
+              <a:t>October 22, 2024</a:t>
             </a:fld>
             <a:endParaRPr lang="en-GB" altLang="en-US"/>
           </a:p>
@@ -8039,6 +8039,29 @@
               <a:rPr lang="nl-NL" dirty="0"/>
               <a:t> </a:t>
             </a:r>
+          </a:p>
+          <a:p>
+            <a:pPr algn="ctr"/>
+            <a:endParaRPr lang="nl-NL" dirty="0"/>
+          </a:p>
+          <a:p>
+            <a:pPr algn="ctr"/>
+            <a:r>
+              <a:rPr lang="nl-NL" dirty="0">
+                <a:hlinkClick r:id="rId3"/>
+              </a:rPr>
+              <a:t>https://posit.cloud/spaces/562431/content</a:t>
+            </a:r>
+            <a:r>
+              <a:rPr lang="nl-NL">
+                <a:hlinkClick r:id="rId3"/>
+              </a:rPr>
+              <a:t>/8885073</a:t>
+            </a:r>
+            <a:r>
+              <a:rPr lang="nl-NL"/>
+              <a:t> </a:t>
+            </a:r>
             <a:endParaRPr lang="en-NL" dirty="0"/>
           </a:p>
         </p:txBody>
@@ -8614,7 +8637,7 @@
         <p:spPr>
           <a:xfrm>
             <a:off x="2748915" y="4703494"/>
-            <a:ext cx="8983980" cy="461665"/>
+            <a:ext cx="8983980" cy="1015663"/>
           </a:xfrm>
           <a:prstGeom prst="rect">
             <a:avLst/>
@@ -8642,6 +8665,22 @@
                 <a:hlinkClick r:id="rId5"/>
               </a:rPr>
               <a:t>https://www.ohdsi.org/web/wiki/doku.php?id=research:treatment_pathways_in_chronic_disease</a:t>
+            </a:r>
+            <a:endParaRPr lang="nl-NL" sz="1200" dirty="0"/>
+          </a:p>
+          <a:p>
+            <a:endParaRPr lang="nl-NL" sz="1200" dirty="0"/>
+          </a:p>
+          <a:p>
+            <a:r>
+              <a:rPr lang="nl-NL" sz="1200" dirty="0">
+                <a:hlinkClick r:id="rId6"/>
+              </a:rPr>
+              <a:t>https://github.com/OHDSI/StudyProtocols/blob/master/Study%201%20-%20Treatment%20Pathways/R%20Version/TxPath%20parameterized.sql</a:t>
+            </a:r>
+            <a:r>
+              <a:rPr lang="nl-NL" sz="1200" dirty="0"/>
+              <a:t> </a:t>
             </a:r>
             <a:endParaRPr lang="en-NL" sz="1200" dirty="0"/>
           </a:p>
@@ -9127,11 +9166,11 @@
             </a:r>
             <a:r>
               <a:rPr lang="en-GB" sz="2000" b="1" dirty="0"/>
-              <a:t>sequence of treatments</a:t>
+              <a:t>sequence of events</a:t>
             </a:r>
             <a:r>
               <a:rPr lang="en-GB" sz="2000" dirty="0"/>
-              <a:t>.</a:t>
+              <a:t> (treatments).</a:t>
             </a:r>
           </a:p>
           <a:p>
@@ -10264,379 +10303,6 @@
       </p:pic>
       <p:sp>
         <p:nvSpPr>
-          <p:cNvPr id="7" name="Rectangle 6">
-            <a:extLst>
-              <a:ext uri="{FF2B5EF4-FFF2-40B4-BE49-F238E27FC236}">
-                <a16:creationId xmlns:a16="http://schemas.microsoft.com/office/drawing/2014/main" id="{987E86BF-8E81-CF30-1F95-89E856DCD716}"/>
-              </a:ext>
-            </a:extLst>
-          </p:cNvPr>
-          <p:cNvSpPr/>
-          <p:nvPr/>
-        </p:nvSpPr>
-        <p:spPr bwMode="auto">
-          <a:xfrm>
-            <a:off x="3867150" y="1600199"/>
-            <a:ext cx="390524" cy="1080099"/>
-          </a:xfrm>
-          <a:prstGeom prst="rect">
-            <a:avLst/>
-          </a:prstGeom>
-          <a:noFill/>
-          <a:ln w="38100" cap="flat" cmpd="sng" algn="ctr">
-            <a:solidFill>
-              <a:schemeClr val="tx1"/>
-            </a:solidFill>
-            <a:prstDash val="sysDash"/>
-            <a:round/>
-            <a:headEnd type="none" w="med" len="med"/>
-            <a:tailEnd type="triangle" w="lg" len="med"/>
-          </a:ln>
-          <a:effectLst/>
-        </p:spPr>
-        <p:txBody>
-          <a:bodyPr vert="horz" wrap="square" lIns="72000" tIns="72000" rIns="72000" bIns="72000" numCol="1" rtlCol="0" anchor="ctr" anchorCtr="0" compatLnSpc="1">
-            <a:prstTxWarp prst="textNoShape">
-              <a:avLst/>
-            </a:prstTxWarp>
-            <a:spAutoFit/>
-          </a:bodyPr>
-          <a:lstStyle/>
-          <a:p>
-            <a:pPr marL="0" marR="0" indent="0" algn="ctr" defTabSz="914400" rtl="0" eaLnBrk="1" fontAlgn="base" latinLnBrk="0" hangingPunct="1">
-              <a:lnSpc>
-                <a:spcPct val="120000"/>
-              </a:lnSpc>
-              <a:spcBef>
-                <a:spcPct val="0"/>
-              </a:spcBef>
-              <a:spcAft>
-                <a:spcPct val="0"/>
-              </a:spcAft>
-              <a:buClrTx/>
-              <a:buSzTx/>
-              <a:buFontTx/>
-              <a:buNone/>
-              <a:tabLst/>
-            </a:pPr>
-            <a:endParaRPr kumimoji="0" lang="en-NL" sz="1600" b="0" i="0" u="none" strike="noStrike" cap="none" normalizeH="0" baseline="0">
-              <a:ln>
-                <a:noFill/>
-              </a:ln>
-              <a:solidFill>
-                <a:srgbClr val="000000"/>
-              </a:solidFill>
-              <a:effectLst/>
-              <a:latin typeface="Verdana" pitchFamily="34" charset="0"/>
-              <a:cs typeface="Arial" charset="0"/>
-            </a:endParaRPr>
-          </a:p>
-        </p:txBody>
-      </p:sp>
-      <p:sp>
-        <p:nvSpPr>
-          <p:cNvPr id="8" name="Rectangle 7">
-            <a:extLst>
-              <a:ext uri="{FF2B5EF4-FFF2-40B4-BE49-F238E27FC236}">
-                <a16:creationId xmlns:a16="http://schemas.microsoft.com/office/drawing/2014/main" id="{E980F1B2-640B-3527-BED7-BD77248D2493}"/>
-              </a:ext>
-            </a:extLst>
-          </p:cNvPr>
-          <p:cNvSpPr/>
-          <p:nvPr/>
-        </p:nvSpPr>
-        <p:spPr bwMode="auto">
-          <a:xfrm>
-            <a:off x="7267576" y="1935457"/>
-            <a:ext cx="1076325" cy="409581"/>
-          </a:xfrm>
-          <a:prstGeom prst="rect">
-            <a:avLst/>
-          </a:prstGeom>
-          <a:solidFill>
-            <a:srgbClr val="DF8C3B"/>
-          </a:solidFill>
-          <a:ln w="9525" cap="flat" cmpd="sng" algn="ctr">
-            <a:solidFill>
-              <a:schemeClr val="tx1"/>
-            </a:solidFill>
-            <a:prstDash val="solid"/>
-            <a:round/>
-            <a:headEnd type="none" w="med" len="med"/>
-            <a:tailEnd type="triangle" w="lg" len="med"/>
-          </a:ln>
-          <a:effectLst/>
-        </p:spPr>
-        <p:txBody>
-          <a:bodyPr vert="horz" wrap="square" lIns="72000" tIns="72000" rIns="72000" bIns="72000" numCol="1" rtlCol="0" anchor="ctr" anchorCtr="0" compatLnSpc="1">
-            <a:prstTxWarp prst="textNoShape">
-              <a:avLst/>
-            </a:prstTxWarp>
-            <a:spAutoFit/>
-          </a:bodyPr>
-          <a:lstStyle/>
-          <a:p>
-            <a:pPr marL="0" marR="0" indent="0" algn="ctr" defTabSz="914400" rtl="0" eaLnBrk="1" fontAlgn="base" latinLnBrk="0" hangingPunct="1">
-              <a:lnSpc>
-                <a:spcPct val="120000"/>
-              </a:lnSpc>
-              <a:spcBef>
-                <a:spcPct val="0"/>
-              </a:spcBef>
-              <a:spcAft>
-                <a:spcPct val="0"/>
-              </a:spcAft>
-              <a:buClrTx/>
-              <a:buSzTx/>
-              <a:buFontTx/>
-              <a:buNone/>
-              <a:tabLst/>
-            </a:pPr>
-            <a:r>
-              <a:rPr kumimoji="0" lang="nl-NL" sz="1600" b="0" i="0" u="none" strike="noStrike" cap="none" normalizeH="0" baseline="0" dirty="0">
-                <a:ln>
-                  <a:noFill/>
-                </a:ln>
-                <a:solidFill>
-                  <a:srgbClr val="000000"/>
-                </a:solidFill>
-                <a:effectLst/>
-                <a:latin typeface="Verdana" pitchFamily="34" charset="0"/>
-                <a:cs typeface="Arial" charset="0"/>
-              </a:rPr>
-              <a:t>A</a:t>
-            </a:r>
-            <a:endParaRPr kumimoji="0" lang="en-NL" sz="1600" b="0" i="0" u="none" strike="noStrike" cap="none" normalizeH="0" baseline="0" dirty="0">
-              <a:ln>
-                <a:noFill/>
-              </a:ln>
-              <a:solidFill>
-                <a:srgbClr val="000000"/>
-              </a:solidFill>
-              <a:effectLst/>
-              <a:latin typeface="Verdana" pitchFamily="34" charset="0"/>
-              <a:cs typeface="Arial" charset="0"/>
-            </a:endParaRPr>
-          </a:p>
-        </p:txBody>
-      </p:sp>
-      <p:sp>
-        <p:nvSpPr>
-          <p:cNvPr id="9" name="Rectangle 8">
-            <a:extLst>
-              <a:ext uri="{FF2B5EF4-FFF2-40B4-BE49-F238E27FC236}">
-                <a16:creationId xmlns:a16="http://schemas.microsoft.com/office/drawing/2014/main" id="{C7BAEA92-712C-1250-A637-91F20FED3964}"/>
-              </a:ext>
-            </a:extLst>
-          </p:cNvPr>
-          <p:cNvSpPr/>
-          <p:nvPr/>
-        </p:nvSpPr>
-        <p:spPr bwMode="auto">
-          <a:xfrm>
-            <a:off x="8343901" y="1935458"/>
-            <a:ext cx="1076325" cy="409581"/>
-          </a:xfrm>
-          <a:prstGeom prst="rect">
-            <a:avLst/>
-          </a:prstGeom>
-          <a:solidFill>
-            <a:srgbClr val="EAC086"/>
-          </a:solidFill>
-          <a:ln w="9525" cap="flat" cmpd="sng" algn="ctr">
-            <a:solidFill>
-              <a:schemeClr val="tx1"/>
-            </a:solidFill>
-            <a:prstDash val="solid"/>
-            <a:round/>
-            <a:headEnd type="none" w="med" len="med"/>
-            <a:tailEnd type="triangle" w="lg" len="med"/>
-          </a:ln>
-          <a:effectLst/>
-        </p:spPr>
-        <p:txBody>
-          <a:bodyPr vert="horz" wrap="square" lIns="72000" tIns="72000" rIns="72000" bIns="72000" numCol="1" rtlCol="0" anchor="ctr" anchorCtr="0" compatLnSpc="1">
-            <a:prstTxWarp prst="textNoShape">
-              <a:avLst/>
-            </a:prstTxWarp>
-            <a:spAutoFit/>
-          </a:bodyPr>
-          <a:lstStyle/>
-          <a:p>
-            <a:pPr marL="0" marR="0" indent="0" algn="ctr" defTabSz="914400" rtl="0" eaLnBrk="1" fontAlgn="base" latinLnBrk="0" hangingPunct="1">
-              <a:lnSpc>
-                <a:spcPct val="120000"/>
-              </a:lnSpc>
-              <a:spcBef>
-                <a:spcPct val="0"/>
-              </a:spcBef>
-              <a:spcAft>
-                <a:spcPct val="0"/>
-              </a:spcAft>
-              <a:buClrTx/>
-              <a:buSzTx/>
-              <a:buFontTx/>
-              <a:buNone/>
-              <a:tabLst/>
-            </a:pPr>
-            <a:r>
-              <a:rPr lang="nl-NL" sz="1600" dirty="0">
-                <a:solidFill>
-                  <a:srgbClr val="000000"/>
-                </a:solidFill>
-                <a:latin typeface="Verdana" pitchFamily="34" charset="0"/>
-                <a:cs typeface="Arial" charset="0"/>
-              </a:rPr>
-              <a:t>A+B</a:t>
-            </a:r>
-            <a:endParaRPr kumimoji="0" lang="en-NL" sz="1600" b="0" i="0" u="none" strike="noStrike" cap="none" normalizeH="0" baseline="0" dirty="0">
-              <a:ln>
-                <a:noFill/>
-              </a:ln>
-              <a:solidFill>
-                <a:srgbClr val="000000"/>
-              </a:solidFill>
-              <a:effectLst/>
-              <a:latin typeface="Verdana" pitchFamily="34" charset="0"/>
-              <a:cs typeface="Arial" charset="0"/>
-            </a:endParaRPr>
-          </a:p>
-        </p:txBody>
-      </p:sp>
-      <p:sp>
-        <p:nvSpPr>
-          <p:cNvPr id="10" name="Rectangle 9">
-            <a:extLst>
-              <a:ext uri="{FF2B5EF4-FFF2-40B4-BE49-F238E27FC236}">
-                <a16:creationId xmlns:a16="http://schemas.microsoft.com/office/drawing/2014/main" id="{3D42274D-CB47-805A-338C-62D3315D6733}"/>
-              </a:ext>
-            </a:extLst>
-          </p:cNvPr>
-          <p:cNvSpPr/>
-          <p:nvPr/>
-        </p:nvSpPr>
-        <p:spPr bwMode="auto">
-          <a:xfrm>
-            <a:off x="9420226" y="1935457"/>
-            <a:ext cx="1076325" cy="409581"/>
-          </a:xfrm>
-          <a:prstGeom prst="rect">
-            <a:avLst/>
-          </a:prstGeom>
-          <a:solidFill>
-            <a:srgbClr val="B8463E"/>
-          </a:solidFill>
-          <a:ln w="9525" cap="flat" cmpd="sng" algn="ctr">
-            <a:solidFill>
-              <a:schemeClr val="tx1"/>
-            </a:solidFill>
-            <a:prstDash val="solid"/>
-            <a:round/>
-            <a:headEnd type="none" w="med" len="med"/>
-            <a:tailEnd type="triangle" w="lg" len="med"/>
-          </a:ln>
-          <a:effectLst/>
-        </p:spPr>
-        <p:txBody>
-          <a:bodyPr vert="horz" wrap="square" lIns="72000" tIns="72000" rIns="72000" bIns="72000" numCol="1" rtlCol="0" anchor="ctr" anchorCtr="0" compatLnSpc="1">
-            <a:prstTxWarp prst="textNoShape">
-              <a:avLst/>
-            </a:prstTxWarp>
-            <a:spAutoFit/>
-          </a:bodyPr>
-          <a:lstStyle/>
-          <a:p>
-            <a:pPr marL="0" marR="0" indent="0" algn="ctr" defTabSz="914400" rtl="0" eaLnBrk="1" fontAlgn="base" latinLnBrk="0" hangingPunct="1">
-              <a:lnSpc>
-                <a:spcPct val="120000"/>
-              </a:lnSpc>
-              <a:spcBef>
-                <a:spcPct val="0"/>
-              </a:spcBef>
-              <a:spcAft>
-                <a:spcPct val="0"/>
-              </a:spcAft>
-              <a:buClrTx/>
-              <a:buSzTx/>
-              <a:buFontTx/>
-              <a:buNone/>
-              <a:tabLst/>
-            </a:pPr>
-            <a:r>
-              <a:rPr lang="nl-NL" sz="1600" dirty="0">
-                <a:solidFill>
-                  <a:srgbClr val="000000"/>
-                </a:solidFill>
-                <a:latin typeface="Verdana" pitchFamily="34" charset="0"/>
-                <a:cs typeface="Arial" charset="0"/>
-              </a:rPr>
-              <a:t>B</a:t>
-            </a:r>
-            <a:endParaRPr kumimoji="0" lang="en-NL" sz="1600" b="0" i="0" u="none" strike="noStrike" cap="none" normalizeH="0" baseline="0" dirty="0">
-              <a:ln>
-                <a:noFill/>
-              </a:ln>
-              <a:solidFill>
-                <a:srgbClr val="000000"/>
-              </a:solidFill>
-              <a:effectLst/>
-              <a:latin typeface="Verdana" pitchFamily="34" charset="0"/>
-              <a:cs typeface="Arial" charset="0"/>
-            </a:endParaRPr>
-          </a:p>
-        </p:txBody>
-      </p:sp>
-      <p:cxnSp>
-        <p:nvCxnSpPr>
-          <p:cNvPr id="12" name="Straight Arrow Connector 11">
-            <a:extLst>
-              <a:ext uri="{FF2B5EF4-FFF2-40B4-BE49-F238E27FC236}">
-                <a16:creationId xmlns:a16="http://schemas.microsoft.com/office/drawing/2014/main" id="{C6EB9E39-91F7-F5DD-7794-F29595AA1FF4}"/>
-              </a:ext>
-            </a:extLst>
-          </p:cNvPr>
-          <p:cNvCxnSpPr>
-            <a:cxnSpLocks/>
-            <a:stCxn id="7" idx="3"/>
-          </p:cNvCxnSpPr>
-          <p:nvPr/>
-        </p:nvCxnSpPr>
-        <p:spPr bwMode="auto">
-          <a:xfrm>
-            <a:off x="4257674" y="2140249"/>
-            <a:ext cx="3009901" cy="0"/>
-          </a:xfrm>
-          <a:prstGeom prst="straightConnector1">
-            <a:avLst/>
-          </a:prstGeom>
-          <a:solidFill>
-            <a:schemeClr val="accent1"/>
-          </a:solidFill>
-          <a:ln w="38100" cap="flat" cmpd="sng" algn="ctr">
-            <a:solidFill>
-              <a:schemeClr val="tx1"/>
-            </a:solidFill>
-            <a:prstDash val="solid"/>
-            <a:round/>
-            <a:headEnd type="none" w="med" len="med"/>
-            <a:tailEnd type="triangle"/>
-          </a:ln>
-          <a:effectLst/>
-          <a:extLst>
-            <a:ext uri="{AF507438-7753-43E0-B8FC-AC1667EBCBE1}">
-              <a14:hiddenEffects xmlns:a14="http://schemas.microsoft.com/office/drawing/2010/main">
-                <a:effectLst>
-                  <a:outerShdw dist="35921" dir="2700000" algn="ctr" rotWithShape="0">
-                    <a:schemeClr val="bg2"/>
-                  </a:outerShdw>
-                </a:effectLst>
-              </a14:hiddenEffects>
-            </a:ext>
-          </a:extLst>
-        </p:spPr>
-      </p:cxnSp>
-      <p:sp>
-        <p:nvSpPr>
           <p:cNvPr id="14" name="TextBox 13">
             <a:extLst>
               <a:ext uri="{FF2B5EF4-FFF2-40B4-BE49-F238E27FC236}">
@@ -10671,305 +10337,84 @@
           </a:p>
         </p:txBody>
       </p:sp>
-      <p:sp>
-        <p:nvSpPr>
-          <p:cNvPr id="15" name="TextBox 14">
+      <p:grpSp>
+        <p:nvGrpSpPr>
+          <p:cNvPr id="2" name="Group 1">
             <a:extLst>
               <a:ext uri="{FF2B5EF4-FFF2-40B4-BE49-F238E27FC236}">
-                <a16:creationId xmlns:a16="http://schemas.microsoft.com/office/drawing/2014/main" id="{0825BEBA-E5D6-62F4-7AE2-5B23CD9FCB2A}"/>
+                <a16:creationId xmlns:a16="http://schemas.microsoft.com/office/drawing/2014/main" id="{376F301E-DD0E-B116-6D84-713E07CB78DB}"/>
               </a:ext>
             </a:extLst>
           </p:cNvPr>
-          <p:cNvSpPr txBox="1"/>
+          <p:cNvGrpSpPr/>
           <p:nvPr/>
-        </p:nvSpPr>
-        <p:spPr>
+        </p:nvGrpSpPr>
+        <p:grpSpPr>
           <a:xfrm>
-            <a:off x="8128907" y="788682"/>
-            <a:ext cx="1506310" cy="369332"/>
+            <a:off x="3867150" y="788682"/>
+            <a:ext cx="6629401" cy="4061442"/>
+            <a:chOff x="3867150" y="788682"/>
+            <a:chExt cx="6629401" cy="4061442"/>
           </a:xfrm>
-          <a:prstGeom prst="rect">
-            <a:avLst/>
-          </a:prstGeom>
-          <a:noFill/>
-        </p:spPr>
-        <p:txBody>
-          <a:bodyPr wrap="none" rtlCol="0">
-            <a:spAutoFit/>
-          </a:bodyPr>
-          <a:lstStyle/>
-          <a:p>
-            <a:r>
-              <a:rPr lang="nl-NL" dirty="0"/>
-              <a:t>One Person</a:t>
-            </a:r>
-            <a:endParaRPr lang="en-NL" dirty="0"/>
-          </a:p>
-        </p:txBody>
-      </p:sp>
-      <p:sp>
-        <p:nvSpPr>
-          <p:cNvPr id="25" name="Rectangle 24">
-            <a:extLst>
-              <a:ext uri="{FF2B5EF4-FFF2-40B4-BE49-F238E27FC236}">
-                <a16:creationId xmlns:a16="http://schemas.microsoft.com/office/drawing/2014/main" id="{D33D49A6-1816-B0DF-DA37-987114270F0E}"/>
-              </a:ext>
-            </a:extLst>
-          </p:cNvPr>
-          <p:cNvSpPr/>
-          <p:nvPr/>
-        </p:nvSpPr>
-        <p:spPr bwMode="auto">
-          <a:xfrm>
-            <a:off x="4796790" y="3653789"/>
-            <a:ext cx="803910" cy="262891"/>
-          </a:xfrm>
-          <a:prstGeom prst="rect">
-            <a:avLst/>
-          </a:prstGeom>
-          <a:noFill/>
-          <a:ln w="38100" cap="flat" cmpd="sng" algn="ctr">
-            <a:solidFill>
-              <a:schemeClr val="tx1"/>
-            </a:solidFill>
-            <a:prstDash val="sysDash"/>
-            <a:round/>
-            <a:headEnd type="none" w="med" len="med"/>
-            <a:tailEnd type="triangle" w="lg" len="med"/>
-          </a:ln>
-          <a:effectLst/>
-        </p:spPr>
-        <p:txBody>
-          <a:bodyPr vert="horz" wrap="square" lIns="72000" tIns="72000" rIns="72000" bIns="72000" numCol="1" rtlCol="0" anchor="ctr" anchorCtr="0" compatLnSpc="1">
-            <a:prstTxWarp prst="textNoShape">
+        </p:grpSpPr>
+        <p:sp>
+          <p:nvSpPr>
+            <p:cNvPr id="7" name="Rectangle 6">
+              <a:extLst>
+                <a:ext uri="{FF2B5EF4-FFF2-40B4-BE49-F238E27FC236}">
+                  <a16:creationId xmlns:a16="http://schemas.microsoft.com/office/drawing/2014/main" id="{987E86BF-8E81-CF30-1F95-89E856DCD716}"/>
+                </a:ext>
+              </a:extLst>
+            </p:cNvPr>
+            <p:cNvSpPr/>
+            <p:nvPr/>
+          </p:nvSpPr>
+          <p:spPr bwMode="auto">
+            <a:xfrm>
+              <a:off x="3867150" y="1600199"/>
+              <a:ext cx="390524" cy="1080099"/>
+            </a:xfrm>
+            <a:prstGeom prst="rect">
               <a:avLst/>
-            </a:prstTxWarp>
-            <a:spAutoFit/>
-          </a:bodyPr>
-          <a:lstStyle/>
-          <a:p>
-            <a:pPr marL="0" marR="0" indent="0" algn="ctr" defTabSz="914400" rtl="0" eaLnBrk="1" fontAlgn="base" latinLnBrk="0" hangingPunct="1">
-              <a:lnSpc>
-                <a:spcPct val="120000"/>
-              </a:lnSpc>
-              <a:spcBef>
-                <a:spcPct val="0"/>
-              </a:spcBef>
-              <a:spcAft>
-                <a:spcPct val="0"/>
-              </a:spcAft>
-              <a:buClrTx/>
-              <a:buSzTx/>
-              <a:buFontTx/>
-              <a:buNone/>
-              <a:tabLst/>
-            </a:pPr>
-            <a:endParaRPr kumimoji="0" lang="en-NL" sz="1600" b="0" i="0" u="none" strike="noStrike" cap="none" normalizeH="0" baseline="0">
-              <a:ln>
-                <a:noFill/>
-              </a:ln>
+            </a:prstGeom>
+            <a:noFill/>
+            <a:ln w="38100" cap="flat" cmpd="sng" algn="ctr">
               <a:solidFill>
-                <a:srgbClr val="000000"/>
+                <a:schemeClr val="tx1"/>
               </a:solidFill>
-              <a:effectLst/>
-              <a:latin typeface="Verdana" pitchFamily="34" charset="0"/>
-              <a:cs typeface="Arial" charset="0"/>
-            </a:endParaRPr>
-          </a:p>
-        </p:txBody>
-      </p:sp>
-      <p:cxnSp>
-        <p:nvCxnSpPr>
-          <p:cNvPr id="26" name="Straight Arrow Connector 25">
-            <a:extLst>
-              <a:ext uri="{FF2B5EF4-FFF2-40B4-BE49-F238E27FC236}">
-                <a16:creationId xmlns:a16="http://schemas.microsoft.com/office/drawing/2014/main" id="{2C73F423-08FA-4936-8319-B2B46B1EDB3E}"/>
-              </a:ext>
-            </a:extLst>
-          </p:cNvPr>
-          <p:cNvCxnSpPr>
-            <a:cxnSpLocks/>
-          </p:cNvCxnSpPr>
-          <p:nvPr/>
-        </p:nvCxnSpPr>
-        <p:spPr bwMode="auto">
-          <a:xfrm>
-            <a:off x="5600700" y="3784261"/>
-            <a:ext cx="1666875" cy="974"/>
-          </a:xfrm>
-          <a:prstGeom prst="straightConnector1">
-            <a:avLst/>
-          </a:prstGeom>
-          <a:solidFill>
-            <a:schemeClr val="accent1"/>
-          </a:solidFill>
-          <a:ln w="38100" cap="flat" cmpd="sng" algn="ctr">
-            <a:solidFill>
-              <a:schemeClr val="tx1"/>
-            </a:solidFill>
-            <a:prstDash val="solid"/>
-            <a:round/>
-            <a:headEnd type="none" w="med" len="med"/>
-            <a:tailEnd type="triangle"/>
-          </a:ln>
-          <a:effectLst/>
-          <a:extLst>
-            <a:ext uri="{AF507438-7753-43E0-B8FC-AC1667EBCBE1}">
-              <a14:hiddenEffects xmlns:a14="http://schemas.microsoft.com/office/drawing/2010/main">
-                <a:effectLst>
-                  <a:outerShdw dist="35921" dir="2700000" algn="ctr" rotWithShape="0">
-                    <a:schemeClr val="bg2"/>
-                  </a:outerShdw>
-                </a:effectLst>
-              </a14:hiddenEffects>
-            </a:ext>
-          </a:extLst>
-        </p:spPr>
-      </p:cxnSp>
-      <p:sp>
-        <p:nvSpPr>
-          <p:cNvPr id="28" name="Rectangle 27">
-            <a:extLst>
-              <a:ext uri="{FF2B5EF4-FFF2-40B4-BE49-F238E27FC236}">
-                <a16:creationId xmlns:a16="http://schemas.microsoft.com/office/drawing/2014/main" id="{C70FC6BF-F8DF-DAA1-513B-E55AF6765C33}"/>
-              </a:ext>
-            </a:extLst>
-          </p:cNvPr>
-          <p:cNvSpPr/>
-          <p:nvPr/>
-        </p:nvSpPr>
-        <p:spPr bwMode="auto">
-          <a:xfrm>
-            <a:off x="7267575" y="3581418"/>
-            <a:ext cx="1076325" cy="409581"/>
-          </a:xfrm>
-          <a:prstGeom prst="rect">
-            <a:avLst/>
-          </a:prstGeom>
-          <a:solidFill>
-            <a:srgbClr val="EAC086"/>
-          </a:solidFill>
-          <a:ln w="9525" cap="flat" cmpd="sng" algn="ctr">
-            <a:solidFill>
-              <a:schemeClr val="tx1"/>
-            </a:solidFill>
-            <a:prstDash val="solid"/>
-            <a:round/>
-            <a:headEnd type="none" w="med" len="med"/>
-            <a:tailEnd type="triangle" w="lg" len="med"/>
-          </a:ln>
-          <a:effectLst/>
-        </p:spPr>
-        <p:txBody>
-          <a:bodyPr vert="horz" wrap="square" lIns="72000" tIns="72000" rIns="72000" bIns="72000" numCol="1" rtlCol="0" anchor="ctr" anchorCtr="0" compatLnSpc="1">
-            <a:prstTxWarp prst="textNoShape">
-              <a:avLst/>
-            </a:prstTxWarp>
-            <a:spAutoFit/>
-          </a:bodyPr>
-          <a:lstStyle/>
-          <a:p>
-            <a:pPr marL="0" marR="0" indent="0" algn="ctr" defTabSz="914400" rtl="0" eaLnBrk="1" fontAlgn="base" latinLnBrk="0" hangingPunct="1">
-              <a:lnSpc>
-                <a:spcPct val="120000"/>
-              </a:lnSpc>
-              <a:spcBef>
-                <a:spcPct val="0"/>
-              </a:spcBef>
-              <a:spcAft>
-                <a:spcPct val="0"/>
-              </a:spcAft>
-              <a:buClrTx/>
-              <a:buSzTx/>
-              <a:buFontTx/>
-              <a:buNone/>
-              <a:tabLst/>
-            </a:pPr>
-            <a:r>
-              <a:rPr lang="nl-NL" sz="1600" dirty="0">
-                <a:solidFill>
-                  <a:srgbClr val="000000"/>
-                </a:solidFill>
-                <a:latin typeface="Verdana" pitchFamily="34" charset="0"/>
-                <a:cs typeface="Arial" charset="0"/>
-              </a:rPr>
-              <a:t>A+B</a:t>
-            </a:r>
-            <a:endParaRPr kumimoji="0" lang="en-NL" sz="1600" b="0" i="0" u="none" strike="noStrike" cap="none" normalizeH="0" baseline="0" dirty="0">
-              <a:ln>
-                <a:noFill/>
-              </a:ln>
-              <a:solidFill>
-                <a:srgbClr val="000000"/>
-              </a:solidFill>
-              <a:effectLst/>
-              <a:latin typeface="Verdana" pitchFamily="34" charset="0"/>
-              <a:cs typeface="Arial" charset="0"/>
-            </a:endParaRPr>
-          </a:p>
-        </p:txBody>
-      </p:sp>
-      <p:sp>
-        <p:nvSpPr>
-          <p:cNvPr id="29" name="Rectangle 28">
-            <a:extLst>
-              <a:ext uri="{FF2B5EF4-FFF2-40B4-BE49-F238E27FC236}">
-                <a16:creationId xmlns:a16="http://schemas.microsoft.com/office/drawing/2014/main" id="{65670D0E-B4E5-8AEA-87CE-F8F224DA5AA6}"/>
-              </a:ext>
-            </a:extLst>
-          </p:cNvPr>
-          <p:cNvSpPr/>
-          <p:nvPr/>
-        </p:nvSpPr>
-        <p:spPr bwMode="auto">
-          <a:xfrm>
-            <a:off x="8343900" y="3580444"/>
-            <a:ext cx="1076325" cy="409581"/>
-          </a:xfrm>
-          <a:prstGeom prst="rect">
-            <a:avLst/>
-          </a:prstGeom>
-          <a:solidFill>
-            <a:srgbClr val="DF8C3B"/>
-          </a:solidFill>
-          <a:ln w="9525" cap="flat" cmpd="sng" algn="ctr">
-            <a:solidFill>
-              <a:schemeClr val="tx1"/>
-            </a:solidFill>
-            <a:prstDash val="solid"/>
-            <a:round/>
-            <a:headEnd type="none" w="med" len="med"/>
-            <a:tailEnd type="triangle" w="lg" len="med"/>
-          </a:ln>
-          <a:effectLst/>
-        </p:spPr>
-        <p:txBody>
-          <a:bodyPr vert="horz" wrap="square" lIns="72000" tIns="72000" rIns="72000" bIns="72000" numCol="1" rtlCol="0" anchor="ctr" anchorCtr="0" compatLnSpc="1">
-            <a:prstTxWarp prst="textNoShape">
-              <a:avLst/>
-            </a:prstTxWarp>
-            <a:spAutoFit/>
-          </a:bodyPr>
-          <a:lstStyle/>
-          <a:p>
-            <a:pPr marL="0" marR="0" indent="0" algn="ctr" defTabSz="914400" rtl="0" eaLnBrk="1" fontAlgn="base" latinLnBrk="0" hangingPunct="1">
-              <a:lnSpc>
-                <a:spcPct val="120000"/>
-              </a:lnSpc>
-              <a:spcBef>
-                <a:spcPct val="0"/>
-              </a:spcBef>
-              <a:spcAft>
-                <a:spcPct val="0"/>
-              </a:spcAft>
-              <a:buClrTx/>
-              <a:buSzTx/>
-              <a:buFontTx/>
-              <a:buNone/>
-              <a:tabLst/>
-            </a:pPr>
-            <a:r>
-              <a:rPr kumimoji="0" lang="nl-NL" sz="1600" b="0" i="0" u="none" strike="noStrike" cap="none" normalizeH="0" baseline="0" dirty="0">
+              <a:prstDash val="sysDash"/>
+              <a:round/>
+              <a:headEnd type="none" w="med" len="med"/>
+              <a:tailEnd type="triangle" w="lg" len="med"/>
+            </a:ln>
+            <a:effectLst/>
+          </p:spPr>
+          <p:txBody>
+            <a:bodyPr vert="horz" wrap="square" lIns="72000" tIns="72000" rIns="72000" bIns="72000" numCol="1" rtlCol="0" anchor="ctr" anchorCtr="0" compatLnSpc="1">
+              <a:prstTxWarp prst="textNoShape">
+                <a:avLst/>
+              </a:prstTxWarp>
+              <a:spAutoFit/>
+            </a:bodyPr>
+            <a:lstStyle/>
+            <a:p>
+              <a:pPr marL="0" marR="0" indent="0" algn="ctr" defTabSz="914400" rtl="0" eaLnBrk="1" fontAlgn="base" latinLnBrk="0" hangingPunct="1">
+                <a:lnSpc>
+                  <a:spcPct val="120000"/>
+                </a:lnSpc>
+                <a:spcBef>
+                  <a:spcPct val="0"/>
+                </a:spcBef>
+                <a:spcAft>
+                  <a:spcPct val="0"/>
+                </a:spcAft>
+                <a:buClrTx/>
+                <a:buSzTx/>
+                <a:buFontTx/>
+                <a:buNone/>
+                <a:tabLst/>
+              </a:pPr>
+              <a:endParaRPr kumimoji="0" lang="en-NL" sz="1600" b="0" i="0" u="none" strike="noStrike" cap="none" normalizeH="0" baseline="0">
                 <a:ln>
                   <a:noFill/>
                 </a:ln>
@@ -10979,287 +10424,84 @@
                 <a:effectLst/>
                 <a:latin typeface="Verdana" pitchFamily="34" charset="0"/>
                 <a:cs typeface="Arial" charset="0"/>
-              </a:rPr>
-              <a:t>A</a:t>
-            </a:r>
-            <a:endParaRPr kumimoji="0" lang="en-NL" sz="1600" b="0" i="0" u="none" strike="noStrike" cap="none" normalizeH="0" baseline="0" dirty="0">
-              <a:ln>
-                <a:noFill/>
-              </a:ln>
+              </a:endParaRPr>
+            </a:p>
+          </p:txBody>
+        </p:sp>
+        <p:sp>
+          <p:nvSpPr>
+            <p:cNvPr id="8" name="Rectangle 7">
+              <a:extLst>
+                <a:ext uri="{FF2B5EF4-FFF2-40B4-BE49-F238E27FC236}">
+                  <a16:creationId xmlns:a16="http://schemas.microsoft.com/office/drawing/2014/main" id="{E980F1B2-640B-3527-BED7-BD77248D2493}"/>
+                </a:ext>
+              </a:extLst>
+            </p:cNvPr>
+            <p:cNvSpPr/>
+            <p:nvPr/>
+          </p:nvSpPr>
+          <p:spPr bwMode="auto">
+            <a:xfrm>
+              <a:off x="7267576" y="1935457"/>
+              <a:ext cx="1076325" cy="409581"/>
+            </a:xfrm>
+            <a:prstGeom prst="rect">
+              <a:avLst/>
+            </a:prstGeom>
+            <a:solidFill>
+              <a:srgbClr val="DF8C3B"/>
+            </a:solidFill>
+            <a:ln w="9525" cap="flat" cmpd="sng" algn="ctr">
               <a:solidFill>
-                <a:srgbClr val="000000"/>
+                <a:schemeClr val="tx1"/>
               </a:solidFill>
-              <a:effectLst/>
-              <a:latin typeface="Verdana" pitchFamily="34" charset="0"/>
-              <a:cs typeface="Arial" charset="0"/>
-            </a:endParaRPr>
-          </a:p>
-        </p:txBody>
-      </p:sp>
-      <p:sp>
-        <p:nvSpPr>
-          <p:cNvPr id="32" name="Rectangle 31">
-            <a:extLst>
-              <a:ext uri="{FF2B5EF4-FFF2-40B4-BE49-F238E27FC236}">
-                <a16:creationId xmlns:a16="http://schemas.microsoft.com/office/drawing/2014/main" id="{175B4035-2D10-D4B1-08C5-A8DF0A0C678A}"/>
-              </a:ext>
-            </a:extLst>
-          </p:cNvPr>
-          <p:cNvSpPr/>
-          <p:nvPr/>
-        </p:nvSpPr>
-        <p:spPr bwMode="auto">
-          <a:xfrm>
-            <a:off x="7267575" y="4341296"/>
-            <a:ext cx="1076325" cy="409581"/>
-          </a:xfrm>
-          <a:prstGeom prst="rect">
-            <a:avLst/>
-          </a:prstGeom>
-          <a:solidFill>
-            <a:srgbClr val="B8463E"/>
-          </a:solidFill>
-          <a:ln w="9525" cap="flat" cmpd="sng" algn="ctr">
-            <a:solidFill>
-              <a:schemeClr val="tx1"/>
-            </a:solidFill>
-            <a:prstDash val="solid"/>
-            <a:round/>
-            <a:headEnd type="none" w="med" len="med"/>
-            <a:tailEnd type="triangle" w="lg" len="med"/>
-          </a:ln>
-          <a:effectLst/>
-        </p:spPr>
-        <p:txBody>
-          <a:bodyPr vert="horz" wrap="square" lIns="72000" tIns="72000" rIns="72000" bIns="72000" numCol="1" rtlCol="0" anchor="ctr" anchorCtr="0" compatLnSpc="1">
-            <a:prstTxWarp prst="textNoShape">
-              <a:avLst/>
-            </a:prstTxWarp>
-            <a:spAutoFit/>
-          </a:bodyPr>
-          <a:lstStyle/>
-          <a:p>
-            <a:pPr marL="0" marR="0" indent="0" algn="ctr" defTabSz="914400" rtl="0" eaLnBrk="1" fontAlgn="base" latinLnBrk="0" hangingPunct="1">
-              <a:lnSpc>
-                <a:spcPct val="120000"/>
-              </a:lnSpc>
-              <a:spcBef>
-                <a:spcPct val="0"/>
-              </a:spcBef>
-              <a:spcAft>
-                <a:spcPct val="0"/>
-              </a:spcAft>
-              <a:buClrTx/>
-              <a:buSzTx/>
-              <a:buFontTx/>
-              <a:buNone/>
-              <a:tabLst/>
-            </a:pPr>
-            <a:r>
-              <a:rPr lang="nl-NL" sz="1600" dirty="0">
-                <a:solidFill>
-                  <a:srgbClr val="000000"/>
-                </a:solidFill>
-                <a:latin typeface="Verdana" pitchFamily="34" charset="0"/>
-                <a:cs typeface="Arial" charset="0"/>
-              </a:rPr>
-              <a:t>B</a:t>
-            </a:r>
-            <a:endParaRPr kumimoji="0" lang="en-NL" sz="1600" b="0" i="0" u="none" strike="noStrike" cap="none" normalizeH="0" baseline="0" dirty="0">
-              <a:ln>
-                <a:noFill/>
-              </a:ln>
-              <a:solidFill>
-                <a:srgbClr val="000000"/>
-              </a:solidFill>
-              <a:effectLst/>
-              <a:latin typeface="Verdana" pitchFamily="34" charset="0"/>
-              <a:cs typeface="Arial" charset="0"/>
-            </a:endParaRPr>
-          </a:p>
-        </p:txBody>
-      </p:sp>
-      <p:sp>
-        <p:nvSpPr>
-          <p:cNvPr id="33" name="Rectangle 32">
-            <a:extLst>
-              <a:ext uri="{FF2B5EF4-FFF2-40B4-BE49-F238E27FC236}">
-                <a16:creationId xmlns:a16="http://schemas.microsoft.com/office/drawing/2014/main" id="{00974A0B-0D62-357D-9051-3E482EB276E7}"/>
-              </a:ext>
-            </a:extLst>
-          </p:cNvPr>
-          <p:cNvSpPr/>
-          <p:nvPr/>
-        </p:nvSpPr>
-        <p:spPr bwMode="auto">
-          <a:xfrm>
-            <a:off x="4370071" y="4221483"/>
-            <a:ext cx="933450" cy="628641"/>
-          </a:xfrm>
-          <a:prstGeom prst="rect">
-            <a:avLst/>
-          </a:prstGeom>
-          <a:noFill/>
-          <a:ln w="38100" cap="flat" cmpd="sng" algn="ctr">
-            <a:solidFill>
-              <a:schemeClr val="tx1"/>
-            </a:solidFill>
-            <a:prstDash val="sysDash"/>
-            <a:round/>
-            <a:headEnd type="none" w="med" len="med"/>
-            <a:tailEnd type="triangle" w="lg" len="med"/>
-          </a:ln>
-          <a:effectLst/>
-        </p:spPr>
-        <p:txBody>
-          <a:bodyPr vert="horz" wrap="square" lIns="72000" tIns="72000" rIns="72000" bIns="72000" numCol="1" rtlCol="0" anchor="ctr" anchorCtr="0" compatLnSpc="1">
-            <a:prstTxWarp prst="textNoShape">
-              <a:avLst/>
-            </a:prstTxWarp>
-            <a:spAutoFit/>
-          </a:bodyPr>
-          <a:lstStyle/>
-          <a:p>
-            <a:pPr marL="0" marR="0" indent="0" algn="ctr" defTabSz="914400" rtl="0" eaLnBrk="1" fontAlgn="base" latinLnBrk="0" hangingPunct="1">
-              <a:lnSpc>
-                <a:spcPct val="120000"/>
-              </a:lnSpc>
-              <a:spcBef>
-                <a:spcPct val="0"/>
-              </a:spcBef>
-              <a:spcAft>
-                <a:spcPct val="0"/>
-              </a:spcAft>
-              <a:buClrTx/>
-              <a:buSzTx/>
-              <a:buFontTx/>
-              <a:buNone/>
-              <a:tabLst/>
-            </a:pPr>
-            <a:endParaRPr kumimoji="0" lang="en-NL" sz="1600" b="0" i="0" u="none" strike="noStrike" cap="none" normalizeH="0" baseline="0">
-              <a:ln>
-                <a:noFill/>
-              </a:ln>
-              <a:solidFill>
-                <a:srgbClr val="000000"/>
-              </a:solidFill>
-              <a:effectLst/>
-              <a:latin typeface="Verdana" pitchFamily="34" charset="0"/>
-              <a:cs typeface="Arial" charset="0"/>
-            </a:endParaRPr>
-          </a:p>
-        </p:txBody>
-      </p:sp>
-      <p:cxnSp>
-        <p:nvCxnSpPr>
-          <p:cNvPr id="34" name="Straight Arrow Connector 33">
-            <a:extLst>
-              <a:ext uri="{FF2B5EF4-FFF2-40B4-BE49-F238E27FC236}">
-                <a16:creationId xmlns:a16="http://schemas.microsoft.com/office/drawing/2014/main" id="{1C10A94C-2105-5D00-7F86-850691A9C4AF}"/>
-              </a:ext>
-            </a:extLst>
-          </p:cNvPr>
-          <p:cNvCxnSpPr>
-            <a:cxnSpLocks/>
-            <a:endCxn id="32" idx="1"/>
-          </p:cNvCxnSpPr>
-          <p:nvPr/>
-        </p:nvCxnSpPr>
-        <p:spPr bwMode="auto">
-          <a:xfrm>
-            <a:off x="5303521" y="4546087"/>
-            <a:ext cx="1964054" cy="0"/>
-          </a:xfrm>
-          <a:prstGeom prst="straightConnector1">
-            <a:avLst/>
-          </a:prstGeom>
-          <a:solidFill>
-            <a:schemeClr val="accent1"/>
-          </a:solidFill>
-          <a:ln w="38100" cap="flat" cmpd="sng" algn="ctr">
-            <a:solidFill>
-              <a:schemeClr val="tx1"/>
-            </a:solidFill>
-            <a:prstDash val="solid"/>
-            <a:round/>
-            <a:headEnd type="none" w="med" len="med"/>
-            <a:tailEnd type="triangle"/>
-          </a:ln>
-          <a:effectLst/>
-          <a:extLst>
-            <a:ext uri="{AF507438-7753-43E0-B8FC-AC1667EBCBE1}">
-              <a14:hiddenEffects xmlns:a14="http://schemas.microsoft.com/office/drawing/2010/main">
-                <a:effectLst>
-                  <a:outerShdw dist="35921" dir="2700000" algn="ctr" rotWithShape="0">
-                    <a:schemeClr val="bg2"/>
-                  </a:outerShdw>
-                </a:effectLst>
-              </a14:hiddenEffects>
-            </a:ext>
-          </a:extLst>
-        </p:spPr>
-      </p:cxnSp>
-      <p:sp>
-        <p:nvSpPr>
-          <p:cNvPr id="41" name="Rectangle 40">
-            <a:extLst>
-              <a:ext uri="{FF2B5EF4-FFF2-40B4-BE49-F238E27FC236}">
-                <a16:creationId xmlns:a16="http://schemas.microsoft.com/office/drawing/2014/main" id="{E9B73B6F-2771-6FF8-E368-E3E466E68901}"/>
-              </a:ext>
-            </a:extLst>
-          </p:cNvPr>
-          <p:cNvSpPr/>
-          <p:nvPr/>
-        </p:nvSpPr>
-        <p:spPr bwMode="auto">
-          <a:xfrm>
-            <a:off x="8343899" y="4341296"/>
-            <a:ext cx="1076325" cy="409581"/>
-          </a:xfrm>
-          <a:prstGeom prst="rect">
-            <a:avLst/>
-          </a:prstGeom>
-          <a:solidFill>
-            <a:srgbClr val="DF8C3B"/>
-          </a:solidFill>
-          <a:ln w="9525" cap="flat" cmpd="sng" algn="ctr">
-            <a:solidFill>
-              <a:schemeClr val="tx1"/>
-            </a:solidFill>
-            <a:prstDash val="solid"/>
-            <a:round/>
-            <a:headEnd type="none" w="med" len="med"/>
-            <a:tailEnd type="triangle" w="lg" len="med"/>
-          </a:ln>
-          <a:effectLst/>
-        </p:spPr>
-        <p:txBody>
-          <a:bodyPr vert="horz" wrap="square" lIns="72000" tIns="72000" rIns="72000" bIns="72000" numCol="1" rtlCol="0" anchor="ctr" anchorCtr="0" compatLnSpc="1">
-            <a:prstTxWarp prst="textNoShape">
-              <a:avLst/>
-            </a:prstTxWarp>
-            <a:spAutoFit/>
-          </a:bodyPr>
-          <a:lstStyle/>
-          <a:p>
-            <a:pPr marL="0" marR="0" indent="0" algn="ctr" defTabSz="914400" rtl="0" eaLnBrk="1" fontAlgn="base" latinLnBrk="0" hangingPunct="1">
-              <a:lnSpc>
-                <a:spcPct val="120000"/>
-              </a:lnSpc>
-              <a:spcBef>
-                <a:spcPct val="0"/>
-              </a:spcBef>
-              <a:spcAft>
-                <a:spcPct val="0"/>
-              </a:spcAft>
-              <a:buClrTx/>
-              <a:buSzTx/>
-              <a:buFontTx/>
-              <a:buNone/>
-              <a:tabLst/>
-            </a:pPr>
-            <a:r>
-              <a:rPr kumimoji="0" lang="nl-NL" sz="1600" b="0" i="0" u="none" strike="noStrike" cap="none" normalizeH="0" baseline="0" dirty="0">
+              <a:prstDash val="solid"/>
+              <a:round/>
+              <a:headEnd type="none" w="med" len="med"/>
+              <a:tailEnd type="triangle" w="lg" len="med"/>
+            </a:ln>
+            <a:effectLst/>
+          </p:spPr>
+          <p:txBody>
+            <a:bodyPr vert="horz" wrap="square" lIns="72000" tIns="72000" rIns="72000" bIns="72000" numCol="1" rtlCol="0" anchor="ctr" anchorCtr="0" compatLnSpc="1">
+              <a:prstTxWarp prst="textNoShape">
+                <a:avLst/>
+              </a:prstTxWarp>
+              <a:spAutoFit/>
+            </a:bodyPr>
+            <a:lstStyle/>
+            <a:p>
+              <a:pPr marL="0" marR="0" indent="0" algn="ctr" defTabSz="914400" rtl="0" eaLnBrk="1" fontAlgn="base" latinLnBrk="0" hangingPunct="1">
+                <a:lnSpc>
+                  <a:spcPct val="120000"/>
+                </a:lnSpc>
+                <a:spcBef>
+                  <a:spcPct val="0"/>
+                </a:spcBef>
+                <a:spcAft>
+                  <a:spcPct val="0"/>
+                </a:spcAft>
+                <a:buClrTx/>
+                <a:buSzTx/>
+                <a:buFontTx/>
+                <a:buNone/>
+                <a:tabLst/>
+              </a:pPr>
+              <a:r>
+                <a:rPr kumimoji="0" lang="nl-NL" sz="1600" b="0" i="0" u="none" strike="noStrike" cap="none" normalizeH="0" baseline="0" dirty="0">
+                  <a:ln>
+                    <a:noFill/>
+                  </a:ln>
+                  <a:solidFill>
+                    <a:srgbClr val="000000"/>
+                  </a:solidFill>
+                  <a:effectLst/>
+                  <a:latin typeface="Verdana" pitchFamily="34" charset="0"/>
+                  <a:cs typeface="Arial" charset="0"/>
+                </a:rPr>
+                <a:t>A</a:t>
+              </a:r>
+              <a:endParaRPr kumimoji="0" lang="en-NL" sz="1600" b="0" i="0" u="none" strike="noStrike" cap="none" normalizeH="0" baseline="0" dirty="0">
                 <a:ln>
                   <a:noFill/>
                 </a:ln>
@@ -11269,23 +10511,841 @@
                 <a:effectLst/>
                 <a:latin typeface="Verdana" pitchFamily="34" charset="0"/>
                 <a:cs typeface="Arial" charset="0"/>
-              </a:rPr>
-              <a:t>A</a:t>
-            </a:r>
-            <a:endParaRPr kumimoji="0" lang="en-NL" sz="1600" b="0" i="0" u="none" strike="noStrike" cap="none" normalizeH="0" baseline="0" dirty="0">
-              <a:ln>
-                <a:noFill/>
-              </a:ln>
+              </a:endParaRPr>
+            </a:p>
+          </p:txBody>
+        </p:sp>
+        <p:sp>
+          <p:nvSpPr>
+            <p:cNvPr id="9" name="Rectangle 8">
+              <a:extLst>
+                <a:ext uri="{FF2B5EF4-FFF2-40B4-BE49-F238E27FC236}">
+                  <a16:creationId xmlns:a16="http://schemas.microsoft.com/office/drawing/2014/main" id="{C7BAEA92-712C-1250-A637-91F20FED3964}"/>
+                </a:ext>
+              </a:extLst>
+            </p:cNvPr>
+            <p:cNvSpPr/>
+            <p:nvPr/>
+          </p:nvSpPr>
+          <p:spPr bwMode="auto">
+            <a:xfrm>
+              <a:off x="8343901" y="1935458"/>
+              <a:ext cx="1076325" cy="409581"/>
+            </a:xfrm>
+            <a:prstGeom prst="rect">
+              <a:avLst/>
+            </a:prstGeom>
+            <a:solidFill>
+              <a:srgbClr val="EAC086"/>
+            </a:solidFill>
+            <a:ln w="9525" cap="flat" cmpd="sng" algn="ctr">
               <a:solidFill>
-                <a:srgbClr val="000000"/>
+                <a:schemeClr val="tx1"/>
               </a:solidFill>
-              <a:effectLst/>
-              <a:latin typeface="Verdana" pitchFamily="34" charset="0"/>
-              <a:cs typeface="Arial" charset="0"/>
-            </a:endParaRPr>
-          </a:p>
-        </p:txBody>
-      </p:sp>
+              <a:prstDash val="solid"/>
+              <a:round/>
+              <a:headEnd type="none" w="med" len="med"/>
+              <a:tailEnd type="triangle" w="lg" len="med"/>
+            </a:ln>
+            <a:effectLst/>
+          </p:spPr>
+          <p:txBody>
+            <a:bodyPr vert="horz" wrap="square" lIns="72000" tIns="72000" rIns="72000" bIns="72000" numCol="1" rtlCol="0" anchor="ctr" anchorCtr="0" compatLnSpc="1">
+              <a:prstTxWarp prst="textNoShape">
+                <a:avLst/>
+              </a:prstTxWarp>
+              <a:spAutoFit/>
+            </a:bodyPr>
+            <a:lstStyle/>
+            <a:p>
+              <a:pPr marL="0" marR="0" indent="0" algn="ctr" defTabSz="914400" rtl="0" eaLnBrk="1" fontAlgn="base" latinLnBrk="0" hangingPunct="1">
+                <a:lnSpc>
+                  <a:spcPct val="120000"/>
+                </a:lnSpc>
+                <a:spcBef>
+                  <a:spcPct val="0"/>
+                </a:spcBef>
+                <a:spcAft>
+                  <a:spcPct val="0"/>
+                </a:spcAft>
+                <a:buClrTx/>
+                <a:buSzTx/>
+                <a:buFontTx/>
+                <a:buNone/>
+                <a:tabLst/>
+              </a:pPr>
+              <a:r>
+                <a:rPr lang="nl-NL" sz="1600" dirty="0">
+                  <a:solidFill>
+                    <a:srgbClr val="000000"/>
+                  </a:solidFill>
+                  <a:latin typeface="Verdana" pitchFamily="34" charset="0"/>
+                  <a:cs typeface="Arial" charset="0"/>
+                </a:rPr>
+                <a:t>A+B</a:t>
+              </a:r>
+              <a:endParaRPr kumimoji="0" lang="en-NL" sz="1600" b="0" i="0" u="none" strike="noStrike" cap="none" normalizeH="0" baseline="0" dirty="0">
+                <a:ln>
+                  <a:noFill/>
+                </a:ln>
+                <a:solidFill>
+                  <a:srgbClr val="000000"/>
+                </a:solidFill>
+                <a:effectLst/>
+                <a:latin typeface="Verdana" pitchFamily="34" charset="0"/>
+                <a:cs typeface="Arial" charset="0"/>
+              </a:endParaRPr>
+            </a:p>
+          </p:txBody>
+        </p:sp>
+        <p:sp>
+          <p:nvSpPr>
+            <p:cNvPr id="10" name="Rectangle 9">
+              <a:extLst>
+                <a:ext uri="{FF2B5EF4-FFF2-40B4-BE49-F238E27FC236}">
+                  <a16:creationId xmlns:a16="http://schemas.microsoft.com/office/drawing/2014/main" id="{3D42274D-CB47-805A-338C-62D3315D6733}"/>
+                </a:ext>
+              </a:extLst>
+            </p:cNvPr>
+            <p:cNvSpPr/>
+            <p:nvPr/>
+          </p:nvSpPr>
+          <p:spPr bwMode="auto">
+            <a:xfrm>
+              <a:off x="9420226" y="1935457"/>
+              <a:ext cx="1076325" cy="409581"/>
+            </a:xfrm>
+            <a:prstGeom prst="rect">
+              <a:avLst/>
+            </a:prstGeom>
+            <a:solidFill>
+              <a:srgbClr val="B8463E"/>
+            </a:solidFill>
+            <a:ln w="9525" cap="flat" cmpd="sng" algn="ctr">
+              <a:solidFill>
+                <a:schemeClr val="tx1"/>
+              </a:solidFill>
+              <a:prstDash val="solid"/>
+              <a:round/>
+              <a:headEnd type="none" w="med" len="med"/>
+              <a:tailEnd type="triangle" w="lg" len="med"/>
+            </a:ln>
+            <a:effectLst/>
+          </p:spPr>
+          <p:txBody>
+            <a:bodyPr vert="horz" wrap="square" lIns="72000" tIns="72000" rIns="72000" bIns="72000" numCol="1" rtlCol="0" anchor="ctr" anchorCtr="0" compatLnSpc="1">
+              <a:prstTxWarp prst="textNoShape">
+                <a:avLst/>
+              </a:prstTxWarp>
+              <a:spAutoFit/>
+            </a:bodyPr>
+            <a:lstStyle/>
+            <a:p>
+              <a:pPr marL="0" marR="0" indent="0" algn="ctr" defTabSz="914400" rtl="0" eaLnBrk="1" fontAlgn="base" latinLnBrk="0" hangingPunct="1">
+                <a:lnSpc>
+                  <a:spcPct val="120000"/>
+                </a:lnSpc>
+                <a:spcBef>
+                  <a:spcPct val="0"/>
+                </a:spcBef>
+                <a:spcAft>
+                  <a:spcPct val="0"/>
+                </a:spcAft>
+                <a:buClrTx/>
+                <a:buSzTx/>
+                <a:buFontTx/>
+                <a:buNone/>
+                <a:tabLst/>
+              </a:pPr>
+              <a:r>
+                <a:rPr lang="nl-NL" sz="1600" dirty="0">
+                  <a:solidFill>
+                    <a:srgbClr val="000000"/>
+                  </a:solidFill>
+                  <a:latin typeface="Verdana" pitchFamily="34" charset="0"/>
+                  <a:cs typeface="Arial" charset="0"/>
+                </a:rPr>
+                <a:t>B</a:t>
+              </a:r>
+              <a:endParaRPr kumimoji="0" lang="en-NL" sz="1600" b="0" i="0" u="none" strike="noStrike" cap="none" normalizeH="0" baseline="0" dirty="0">
+                <a:ln>
+                  <a:noFill/>
+                </a:ln>
+                <a:solidFill>
+                  <a:srgbClr val="000000"/>
+                </a:solidFill>
+                <a:effectLst/>
+                <a:latin typeface="Verdana" pitchFamily="34" charset="0"/>
+                <a:cs typeface="Arial" charset="0"/>
+              </a:endParaRPr>
+            </a:p>
+          </p:txBody>
+        </p:sp>
+        <p:cxnSp>
+          <p:nvCxnSpPr>
+            <p:cNvPr id="12" name="Straight Arrow Connector 11">
+              <a:extLst>
+                <a:ext uri="{FF2B5EF4-FFF2-40B4-BE49-F238E27FC236}">
+                  <a16:creationId xmlns:a16="http://schemas.microsoft.com/office/drawing/2014/main" id="{C6EB9E39-91F7-F5DD-7794-F29595AA1FF4}"/>
+                </a:ext>
+              </a:extLst>
+            </p:cNvPr>
+            <p:cNvCxnSpPr>
+              <a:cxnSpLocks/>
+              <a:stCxn id="7" idx="3"/>
+            </p:cNvCxnSpPr>
+            <p:nvPr/>
+          </p:nvCxnSpPr>
+          <p:spPr bwMode="auto">
+            <a:xfrm>
+              <a:off x="4257674" y="2140249"/>
+              <a:ext cx="3009901" cy="0"/>
+            </a:xfrm>
+            <a:prstGeom prst="straightConnector1">
+              <a:avLst/>
+            </a:prstGeom>
+            <a:solidFill>
+              <a:schemeClr val="accent1"/>
+            </a:solidFill>
+            <a:ln w="38100" cap="flat" cmpd="sng" algn="ctr">
+              <a:solidFill>
+                <a:schemeClr val="tx1"/>
+              </a:solidFill>
+              <a:prstDash val="solid"/>
+              <a:round/>
+              <a:headEnd type="none" w="med" len="med"/>
+              <a:tailEnd type="triangle"/>
+            </a:ln>
+            <a:effectLst/>
+            <a:extLst>
+              <a:ext uri="{AF507438-7753-43E0-B8FC-AC1667EBCBE1}">
+                <a14:hiddenEffects xmlns:a14="http://schemas.microsoft.com/office/drawing/2010/main">
+                  <a:effectLst>
+                    <a:outerShdw dist="35921" dir="2700000" algn="ctr" rotWithShape="0">
+                      <a:schemeClr val="bg2"/>
+                    </a:outerShdw>
+                  </a:effectLst>
+                </a14:hiddenEffects>
+              </a:ext>
+            </a:extLst>
+          </p:spPr>
+        </p:cxnSp>
+        <p:sp>
+          <p:nvSpPr>
+            <p:cNvPr id="15" name="TextBox 14">
+              <a:extLst>
+                <a:ext uri="{FF2B5EF4-FFF2-40B4-BE49-F238E27FC236}">
+                  <a16:creationId xmlns:a16="http://schemas.microsoft.com/office/drawing/2014/main" id="{0825BEBA-E5D6-62F4-7AE2-5B23CD9FCB2A}"/>
+                </a:ext>
+              </a:extLst>
+            </p:cNvPr>
+            <p:cNvSpPr txBox="1"/>
+            <p:nvPr/>
+          </p:nvSpPr>
+          <p:spPr>
+            <a:xfrm>
+              <a:off x="8128907" y="788682"/>
+              <a:ext cx="1506310" cy="369332"/>
+            </a:xfrm>
+            <a:prstGeom prst="rect">
+              <a:avLst/>
+            </a:prstGeom>
+            <a:noFill/>
+          </p:spPr>
+          <p:txBody>
+            <a:bodyPr wrap="none" rtlCol="0">
+              <a:spAutoFit/>
+            </a:bodyPr>
+            <a:lstStyle/>
+            <a:p>
+              <a:r>
+                <a:rPr lang="nl-NL" dirty="0"/>
+                <a:t>One Person</a:t>
+              </a:r>
+              <a:endParaRPr lang="en-NL" dirty="0"/>
+            </a:p>
+          </p:txBody>
+        </p:sp>
+        <p:sp>
+          <p:nvSpPr>
+            <p:cNvPr id="25" name="Rectangle 24">
+              <a:extLst>
+                <a:ext uri="{FF2B5EF4-FFF2-40B4-BE49-F238E27FC236}">
+                  <a16:creationId xmlns:a16="http://schemas.microsoft.com/office/drawing/2014/main" id="{D33D49A6-1816-B0DF-DA37-987114270F0E}"/>
+                </a:ext>
+              </a:extLst>
+            </p:cNvPr>
+            <p:cNvSpPr/>
+            <p:nvPr/>
+          </p:nvSpPr>
+          <p:spPr bwMode="auto">
+            <a:xfrm>
+              <a:off x="4796790" y="3653789"/>
+              <a:ext cx="803910" cy="262891"/>
+            </a:xfrm>
+            <a:prstGeom prst="rect">
+              <a:avLst/>
+            </a:prstGeom>
+            <a:noFill/>
+            <a:ln w="38100" cap="flat" cmpd="sng" algn="ctr">
+              <a:solidFill>
+                <a:schemeClr val="tx1"/>
+              </a:solidFill>
+              <a:prstDash val="sysDash"/>
+              <a:round/>
+              <a:headEnd type="none" w="med" len="med"/>
+              <a:tailEnd type="triangle" w="lg" len="med"/>
+            </a:ln>
+            <a:effectLst/>
+          </p:spPr>
+          <p:txBody>
+            <a:bodyPr vert="horz" wrap="square" lIns="72000" tIns="72000" rIns="72000" bIns="72000" numCol="1" rtlCol="0" anchor="ctr" anchorCtr="0" compatLnSpc="1">
+              <a:prstTxWarp prst="textNoShape">
+                <a:avLst/>
+              </a:prstTxWarp>
+              <a:spAutoFit/>
+            </a:bodyPr>
+            <a:lstStyle/>
+            <a:p>
+              <a:pPr marL="0" marR="0" indent="0" algn="ctr" defTabSz="914400" rtl="0" eaLnBrk="1" fontAlgn="base" latinLnBrk="0" hangingPunct="1">
+                <a:lnSpc>
+                  <a:spcPct val="120000"/>
+                </a:lnSpc>
+                <a:spcBef>
+                  <a:spcPct val="0"/>
+                </a:spcBef>
+                <a:spcAft>
+                  <a:spcPct val="0"/>
+                </a:spcAft>
+                <a:buClrTx/>
+                <a:buSzTx/>
+                <a:buFontTx/>
+                <a:buNone/>
+                <a:tabLst/>
+              </a:pPr>
+              <a:endParaRPr kumimoji="0" lang="en-NL" sz="1600" b="0" i="0" u="none" strike="noStrike" cap="none" normalizeH="0" baseline="0">
+                <a:ln>
+                  <a:noFill/>
+                </a:ln>
+                <a:solidFill>
+                  <a:srgbClr val="000000"/>
+                </a:solidFill>
+                <a:effectLst/>
+                <a:latin typeface="Verdana" pitchFamily="34" charset="0"/>
+                <a:cs typeface="Arial" charset="0"/>
+              </a:endParaRPr>
+            </a:p>
+          </p:txBody>
+        </p:sp>
+        <p:cxnSp>
+          <p:nvCxnSpPr>
+            <p:cNvPr id="26" name="Straight Arrow Connector 25">
+              <a:extLst>
+                <a:ext uri="{FF2B5EF4-FFF2-40B4-BE49-F238E27FC236}">
+                  <a16:creationId xmlns:a16="http://schemas.microsoft.com/office/drawing/2014/main" id="{2C73F423-08FA-4936-8319-B2B46B1EDB3E}"/>
+                </a:ext>
+              </a:extLst>
+            </p:cNvPr>
+            <p:cNvCxnSpPr>
+              <a:cxnSpLocks/>
+            </p:cNvCxnSpPr>
+            <p:nvPr/>
+          </p:nvCxnSpPr>
+          <p:spPr bwMode="auto">
+            <a:xfrm>
+              <a:off x="5600700" y="3784261"/>
+              <a:ext cx="1666875" cy="974"/>
+            </a:xfrm>
+            <a:prstGeom prst="straightConnector1">
+              <a:avLst/>
+            </a:prstGeom>
+            <a:solidFill>
+              <a:schemeClr val="accent1"/>
+            </a:solidFill>
+            <a:ln w="38100" cap="flat" cmpd="sng" algn="ctr">
+              <a:solidFill>
+                <a:schemeClr val="tx1"/>
+              </a:solidFill>
+              <a:prstDash val="solid"/>
+              <a:round/>
+              <a:headEnd type="none" w="med" len="med"/>
+              <a:tailEnd type="triangle"/>
+            </a:ln>
+            <a:effectLst/>
+            <a:extLst>
+              <a:ext uri="{AF507438-7753-43E0-B8FC-AC1667EBCBE1}">
+                <a14:hiddenEffects xmlns:a14="http://schemas.microsoft.com/office/drawing/2010/main">
+                  <a:effectLst>
+                    <a:outerShdw dist="35921" dir="2700000" algn="ctr" rotWithShape="0">
+                      <a:schemeClr val="bg2"/>
+                    </a:outerShdw>
+                  </a:effectLst>
+                </a14:hiddenEffects>
+              </a:ext>
+            </a:extLst>
+          </p:spPr>
+        </p:cxnSp>
+        <p:sp>
+          <p:nvSpPr>
+            <p:cNvPr id="28" name="Rectangle 27">
+              <a:extLst>
+                <a:ext uri="{FF2B5EF4-FFF2-40B4-BE49-F238E27FC236}">
+                  <a16:creationId xmlns:a16="http://schemas.microsoft.com/office/drawing/2014/main" id="{C70FC6BF-F8DF-DAA1-513B-E55AF6765C33}"/>
+                </a:ext>
+              </a:extLst>
+            </p:cNvPr>
+            <p:cNvSpPr/>
+            <p:nvPr/>
+          </p:nvSpPr>
+          <p:spPr bwMode="auto">
+            <a:xfrm>
+              <a:off x="7267575" y="3581418"/>
+              <a:ext cx="1076325" cy="409581"/>
+            </a:xfrm>
+            <a:prstGeom prst="rect">
+              <a:avLst/>
+            </a:prstGeom>
+            <a:solidFill>
+              <a:srgbClr val="EAC086"/>
+            </a:solidFill>
+            <a:ln w="9525" cap="flat" cmpd="sng" algn="ctr">
+              <a:solidFill>
+                <a:schemeClr val="tx1"/>
+              </a:solidFill>
+              <a:prstDash val="solid"/>
+              <a:round/>
+              <a:headEnd type="none" w="med" len="med"/>
+              <a:tailEnd type="triangle" w="lg" len="med"/>
+            </a:ln>
+            <a:effectLst/>
+          </p:spPr>
+          <p:txBody>
+            <a:bodyPr vert="horz" wrap="square" lIns="72000" tIns="72000" rIns="72000" bIns="72000" numCol="1" rtlCol="0" anchor="ctr" anchorCtr="0" compatLnSpc="1">
+              <a:prstTxWarp prst="textNoShape">
+                <a:avLst/>
+              </a:prstTxWarp>
+              <a:spAutoFit/>
+            </a:bodyPr>
+            <a:lstStyle/>
+            <a:p>
+              <a:pPr marL="0" marR="0" indent="0" algn="ctr" defTabSz="914400" rtl="0" eaLnBrk="1" fontAlgn="base" latinLnBrk="0" hangingPunct="1">
+                <a:lnSpc>
+                  <a:spcPct val="120000"/>
+                </a:lnSpc>
+                <a:spcBef>
+                  <a:spcPct val="0"/>
+                </a:spcBef>
+                <a:spcAft>
+                  <a:spcPct val="0"/>
+                </a:spcAft>
+                <a:buClrTx/>
+                <a:buSzTx/>
+                <a:buFontTx/>
+                <a:buNone/>
+                <a:tabLst/>
+              </a:pPr>
+              <a:r>
+                <a:rPr lang="nl-NL" sz="1600" dirty="0">
+                  <a:solidFill>
+                    <a:srgbClr val="000000"/>
+                  </a:solidFill>
+                  <a:latin typeface="Verdana" pitchFamily="34" charset="0"/>
+                  <a:cs typeface="Arial" charset="0"/>
+                </a:rPr>
+                <a:t>A+B</a:t>
+              </a:r>
+              <a:endParaRPr kumimoji="0" lang="en-NL" sz="1600" b="0" i="0" u="none" strike="noStrike" cap="none" normalizeH="0" baseline="0" dirty="0">
+                <a:ln>
+                  <a:noFill/>
+                </a:ln>
+                <a:solidFill>
+                  <a:srgbClr val="000000"/>
+                </a:solidFill>
+                <a:effectLst/>
+                <a:latin typeface="Verdana" pitchFamily="34" charset="0"/>
+                <a:cs typeface="Arial" charset="0"/>
+              </a:endParaRPr>
+            </a:p>
+          </p:txBody>
+        </p:sp>
+        <p:sp>
+          <p:nvSpPr>
+            <p:cNvPr id="29" name="Rectangle 28">
+              <a:extLst>
+                <a:ext uri="{FF2B5EF4-FFF2-40B4-BE49-F238E27FC236}">
+                  <a16:creationId xmlns:a16="http://schemas.microsoft.com/office/drawing/2014/main" id="{65670D0E-B4E5-8AEA-87CE-F8F224DA5AA6}"/>
+                </a:ext>
+              </a:extLst>
+            </p:cNvPr>
+            <p:cNvSpPr/>
+            <p:nvPr/>
+          </p:nvSpPr>
+          <p:spPr bwMode="auto">
+            <a:xfrm>
+              <a:off x="8343900" y="3580444"/>
+              <a:ext cx="1076325" cy="409581"/>
+            </a:xfrm>
+            <a:prstGeom prst="rect">
+              <a:avLst/>
+            </a:prstGeom>
+            <a:solidFill>
+              <a:srgbClr val="DF8C3B"/>
+            </a:solidFill>
+            <a:ln w="9525" cap="flat" cmpd="sng" algn="ctr">
+              <a:solidFill>
+                <a:schemeClr val="tx1"/>
+              </a:solidFill>
+              <a:prstDash val="solid"/>
+              <a:round/>
+              <a:headEnd type="none" w="med" len="med"/>
+              <a:tailEnd type="triangle" w="lg" len="med"/>
+            </a:ln>
+            <a:effectLst/>
+          </p:spPr>
+          <p:txBody>
+            <a:bodyPr vert="horz" wrap="square" lIns="72000" tIns="72000" rIns="72000" bIns="72000" numCol="1" rtlCol="0" anchor="ctr" anchorCtr="0" compatLnSpc="1">
+              <a:prstTxWarp prst="textNoShape">
+                <a:avLst/>
+              </a:prstTxWarp>
+              <a:spAutoFit/>
+            </a:bodyPr>
+            <a:lstStyle/>
+            <a:p>
+              <a:pPr marL="0" marR="0" indent="0" algn="ctr" defTabSz="914400" rtl="0" eaLnBrk="1" fontAlgn="base" latinLnBrk="0" hangingPunct="1">
+                <a:lnSpc>
+                  <a:spcPct val="120000"/>
+                </a:lnSpc>
+                <a:spcBef>
+                  <a:spcPct val="0"/>
+                </a:spcBef>
+                <a:spcAft>
+                  <a:spcPct val="0"/>
+                </a:spcAft>
+                <a:buClrTx/>
+                <a:buSzTx/>
+                <a:buFontTx/>
+                <a:buNone/>
+                <a:tabLst/>
+              </a:pPr>
+              <a:r>
+                <a:rPr kumimoji="0" lang="nl-NL" sz="1600" b="0" i="0" u="none" strike="noStrike" cap="none" normalizeH="0" baseline="0" dirty="0">
+                  <a:ln>
+                    <a:noFill/>
+                  </a:ln>
+                  <a:solidFill>
+                    <a:srgbClr val="000000"/>
+                  </a:solidFill>
+                  <a:effectLst/>
+                  <a:latin typeface="Verdana" pitchFamily="34" charset="0"/>
+                  <a:cs typeface="Arial" charset="0"/>
+                </a:rPr>
+                <a:t>A</a:t>
+              </a:r>
+              <a:endParaRPr kumimoji="0" lang="en-NL" sz="1600" b="0" i="0" u="none" strike="noStrike" cap="none" normalizeH="0" baseline="0" dirty="0">
+                <a:ln>
+                  <a:noFill/>
+                </a:ln>
+                <a:solidFill>
+                  <a:srgbClr val="000000"/>
+                </a:solidFill>
+                <a:effectLst/>
+                <a:latin typeface="Verdana" pitchFamily="34" charset="0"/>
+                <a:cs typeface="Arial" charset="0"/>
+              </a:endParaRPr>
+            </a:p>
+          </p:txBody>
+        </p:sp>
+        <p:sp>
+          <p:nvSpPr>
+            <p:cNvPr id="32" name="Rectangle 31">
+              <a:extLst>
+                <a:ext uri="{FF2B5EF4-FFF2-40B4-BE49-F238E27FC236}">
+                  <a16:creationId xmlns:a16="http://schemas.microsoft.com/office/drawing/2014/main" id="{175B4035-2D10-D4B1-08C5-A8DF0A0C678A}"/>
+                </a:ext>
+              </a:extLst>
+            </p:cNvPr>
+            <p:cNvSpPr/>
+            <p:nvPr/>
+          </p:nvSpPr>
+          <p:spPr bwMode="auto">
+            <a:xfrm>
+              <a:off x="7267575" y="4341296"/>
+              <a:ext cx="1076325" cy="409581"/>
+            </a:xfrm>
+            <a:prstGeom prst="rect">
+              <a:avLst/>
+            </a:prstGeom>
+            <a:solidFill>
+              <a:srgbClr val="B8463E"/>
+            </a:solidFill>
+            <a:ln w="9525" cap="flat" cmpd="sng" algn="ctr">
+              <a:solidFill>
+                <a:schemeClr val="tx1"/>
+              </a:solidFill>
+              <a:prstDash val="solid"/>
+              <a:round/>
+              <a:headEnd type="none" w="med" len="med"/>
+              <a:tailEnd type="triangle" w="lg" len="med"/>
+            </a:ln>
+            <a:effectLst/>
+          </p:spPr>
+          <p:txBody>
+            <a:bodyPr vert="horz" wrap="square" lIns="72000" tIns="72000" rIns="72000" bIns="72000" numCol="1" rtlCol="0" anchor="ctr" anchorCtr="0" compatLnSpc="1">
+              <a:prstTxWarp prst="textNoShape">
+                <a:avLst/>
+              </a:prstTxWarp>
+              <a:spAutoFit/>
+            </a:bodyPr>
+            <a:lstStyle/>
+            <a:p>
+              <a:pPr marL="0" marR="0" indent="0" algn="ctr" defTabSz="914400" rtl="0" eaLnBrk="1" fontAlgn="base" latinLnBrk="0" hangingPunct="1">
+                <a:lnSpc>
+                  <a:spcPct val="120000"/>
+                </a:lnSpc>
+                <a:spcBef>
+                  <a:spcPct val="0"/>
+                </a:spcBef>
+                <a:spcAft>
+                  <a:spcPct val="0"/>
+                </a:spcAft>
+                <a:buClrTx/>
+                <a:buSzTx/>
+                <a:buFontTx/>
+                <a:buNone/>
+                <a:tabLst/>
+              </a:pPr>
+              <a:r>
+                <a:rPr lang="nl-NL" sz="1600" dirty="0">
+                  <a:solidFill>
+                    <a:srgbClr val="000000"/>
+                  </a:solidFill>
+                  <a:latin typeface="Verdana" pitchFamily="34" charset="0"/>
+                  <a:cs typeface="Arial" charset="0"/>
+                </a:rPr>
+                <a:t>B</a:t>
+              </a:r>
+              <a:endParaRPr kumimoji="0" lang="en-NL" sz="1600" b="0" i="0" u="none" strike="noStrike" cap="none" normalizeH="0" baseline="0" dirty="0">
+                <a:ln>
+                  <a:noFill/>
+                </a:ln>
+                <a:solidFill>
+                  <a:srgbClr val="000000"/>
+                </a:solidFill>
+                <a:effectLst/>
+                <a:latin typeface="Verdana" pitchFamily="34" charset="0"/>
+                <a:cs typeface="Arial" charset="0"/>
+              </a:endParaRPr>
+            </a:p>
+          </p:txBody>
+        </p:sp>
+        <p:sp>
+          <p:nvSpPr>
+            <p:cNvPr id="33" name="Rectangle 32">
+              <a:extLst>
+                <a:ext uri="{FF2B5EF4-FFF2-40B4-BE49-F238E27FC236}">
+                  <a16:creationId xmlns:a16="http://schemas.microsoft.com/office/drawing/2014/main" id="{00974A0B-0D62-357D-9051-3E482EB276E7}"/>
+                </a:ext>
+              </a:extLst>
+            </p:cNvPr>
+            <p:cNvSpPr/>
+            <p:nvPr/>
+          </p:nvSpPr>
+          <p:spPr bwMode="auto">
+            <a:xfrm>
+              <a:off x="4370071" y="4221483"/>
+              <a:ext cx="933450" cy="628641"/>
+            </a:xfrm>
+            <a:prstGeom prst="rect">
+              <a:avLst/>
+            </a:prstGeom>
+            <a:noFill/>
+            <a:ln w="38100" cap="flat" cmpd="sng" algn="ctr">
+              <a:solidFill>
+                <a:schemeClr val="tx1"/>
+              </a:solidFill>
+              <a:prstDash val="sysDash"/>
+              <a:round/>
+              <a:headEnd type="none" w="med" len="med"/>
+              <a:tailEnd type="triangle" w="lg" len="med"/>
+            </a:ln>
+            <a:effectLst/>
+          </p:spPr>
+          <p:txBody>
+            <a:bodyPr vert="horz" wrap="square" lIns="72000" tIns="72000" rIns="72000" bIns="72000" numCol="1" rtlCol="0" anchor="ctr" anchorCtr="0" compatLnSpc="1">
+              <a:prstTxWarp prst="textNoShape">
+                <a:avLst/>
+              </a:prstTxWarp>
+              <a:spAutoFit/>
+            </a:bodyPr>
+            <a:lstStyle/>
+            <a:p>
+              <a:pPr marL="0" marR="0" indent="0" algn="ctr" defTabSz="914400" rtl="0" eaLnBrk="1" fontAlgn="base" latinLnBrk="0" hangingPunct="1">
+                <a:lnSpc>
+                  <a:spcPct val="120000"/>
+                </a:lnSpc>
+                <a:spcBef>
+                  <a:spcPct val="0"/>
+                </a:spcBef>
+                <a:spcAft>
+                  <a:spcPct val="0"/>
+                </a:spcAft>
+                <a:buClrTx/>
+                <a:buSzTx/>
+                <a:buFontTx/>
+                <a:buNone/>
+                <a:tabLst/>
+              </a:pPr>
+              <a:endParaRPr kumimoji="0" lang="en-NL" sz="1600" b="0" i="0" u="none" strike="noStrike" cap="none" normalizeH="0" baseline="0">
+                <a:ln>
+                  <a:noFill/>
+                </a:ln>
+                <a:solidFill>
+                  <a:srgbClr val="000000"/>
+                </a:solidFill>
+                <a:effectLst/>
+                <a:latin typeface="Verdana" pitchFamily="34" charset="0"/>
+                <a:cs typeface="Arial" charset="0"/>
+              </a:endParaRPr>
+            </a:p>
+          </p:txBody>
+        </p:sp>
+        <p:cxnSp>
+          <p:nvCxnSpPr>
+            <p:cNvPr id="34" name="Straight Arrow Connector 33">
+              <a:extLst>
+                <a:ext uri="{FF2B5EF4-FFF2-40B4-BE49-F238E27FC236}">
+                  <a16:creationId xmlns:a16="http://schemas.microsoft.com/office/drawing/2014/main" id="{1C10A94C-2105-5D00-7F86-850691A9C4AF}"/>
+                </a:ext>
+              </a:extLst>
+            </p:cNvPr>
+            <p:cNvCxnSpPr>
+              <a:cxnSpLocks/>
+              <a:endCxn id="32" idx="1"/>
+            </p:cNvCxnSpPr>
+            <p:nvPr/>
+          </p:nvCxnSpPr>
+          <p:spPr bwMode="auto">
+            <a:xfrm>
+              <a:off x="5303521" y="4546087"/>
+              <a:ext cx="1964054" cy="0"/>
+            </a:xfrm>
+            <a:prstGeom prst="straightConnector1">
+              <a:avLst/>
+            </a:prstGeom>
+            <a:solidFill>
+              <a:schemeClr val="accent1"/>
+            </a:solidFill>
+            <a:ln w="38100" cap="flat" cmpd="sng" algn="ctr">
+              <a:solidFill>
+                <a:schemeClr val="tx1"/>
+              </a:solidFill>
+              <a:prstDash val="solid"/>
+              <a:round/>
+              <a:headEnd type="none" w="med" len="med"/>
+              <a:tailEnd type="triangle"/>
+            </a:ln>
+            <a:effectLst/>
+            <a:extLst>
+              <a:ext uri="{AF507438-7753-43E0-B8FC-AC1667EBCBE1}">
+                <a14:hiddenEffects xmlns:a14="http://schemas.microsoft.com/office/drawing/2010/main">
+                  <a:effectLst>
+                    <a:outerShdw dist="35921" dir="2700000" algn="ctr" rotWithShape="0">
+                      <a:schemeClr val="bg2"/>
+                    </a:outerShdw>
+                  </a:effectLst>
+                </a14:hiddenEffects>
+              </a:ext>
+            </a:extLst>
+          </p:spPr>
+        </p:cxnSp>
+        <p:sp>
+          <p:nvSpPr>
+            <p:cNvPr id="41" name="Rectangle 40">
+              <a:extLst>
+                <a:ext uri="{FF2B5EF4-FFF2-40B4-BE49-F238E27FC236}">
+                  <a16:creationId xmlns:a16="http://schemas.microsoft.com/office/drawing/2014/main" id="{E9B73B6F-2771-6FF8-E368-E3E466E68901}"/>
+                </a:ext>
+              </a:extLst>
+            </p:cNvPr>
+            <p:cNvSpPr/>
+            <p:nvPr/>
+          </p:nvSpPr>
+          <p:spPr bwMode="auto">
+            <a:xfrm>
+              <a:off x="8343899" y="4341296"/>
+              <a:ext cx="1076325" cy="409581"/>
+            </a:xfrm>
+            <a:prstGeom prst="rect">
+              <a:avLst/>
+            </a:prstGeom>
+            <a:solidFill>
+              <a:srgbClr val="DF8C3B"/>
+            </a:solidFill>
+            <a:ln w="9525" cap="flat" cmpd="sng" algn="ctr">
+              <a:solidFill>
+                <a:schemeClr val="tx1"/>
+              </a:solidFill>
+              <a:prstDash val="solid"/>
+              <a:round/>
+              <a:headEnd type="none" w="med" len="med"/>
+              <a:tailEnd type="triangle" w="lg" len="med"/>
+            </a:ln>
+            <a:effectLst/>
+          </p:spPr>
+          <p:txBody>
+            <a:bodyPr vert="horz" wrap="square" lIns="72000" tIns="72000" rIns="72000" bIns="72000" numCol="1" rtlCol="0" anchor="ctr" anchorCtr="0" compatLnSpc="1">
+              <a:prstTxWarp prst="textNoShape">
+                <a:avLst/>
+              </a:prstTxWarp>
+              <a:spAutoFit/>
+            </a:bodyPr>
+            <a:lstStyle/>
+            <a:p>
+              <a:pPr marL="0" marR="0" indent="0" algn="ctr" defTabSz="914400" rtl="0" eaLnBrk="1" fontAlgn="base" latinLnBrk="0" hangingPunct="1">
+                <a:lnSpc>
+                  <a:spcPct val="120000"/>
+                </a:lnSpc>
+                <a:spcBef>
+                  <a:spcPct val="0"/>
+                </a:spcBef>
+                <a:spcAft>
+                  <a:spcPct val="0"/>
+                </a:spcAft>
+                <a:buClrTx/>
+                <a:buSzTx/>
+                <a:buFontTx/>
+                <a:buNone/>
+                <a:tabLst/>
+              </a:pPr>
+              <a:r>
+                <a:rPr kumimoji="0" lang="nl-NL" sz="1600" b="0" i="0" u="none" strike="noStrike" cap="none" normalizeH="0" baseline="0" dirty="0">
+                  <a:ln>
+                    <a:noFill/>
+                  </a:ln>
+                  <a:solidFill>
+                    <a:srgbClr val="000000"/>
+                  </a:solidFill>
+                  <a:effectLst/>
+                  <a:latin typeface="Verdana" pitchFamily="34" charset="0"/>
+                  <a:cs typeface="Arial" charset="0"/>
+                </a:rPr>
+                <a:t>A</a:t>
+              </a:r>
+              <a:endParaRPr kumimoji="0" lang="en-NL" sz="1600" b="0" i="0" u="none" strike="noStrike" cap="none" normalizeH="0" baseline="0" dirty="0">
+                <a:ln>
+                  <a:noFill/>
+                </a:ln>
+                <a:solidFill>
+                  <a:srgbClr val="000000"/>
+                </a:solidFill>
+                <a:effectLst/>
+                <a:latin typeface="Verdana" pitchFamily="34" charset="0"/>
+                <a:cs typeface="Arial" charset="0"/>
+              </a:endParaRPr>
+            </a:p>
+          </p:txBody>
+        </p:sp>
+      </p:grpSp>
     </p:spTree>
     <p:extLst>
       <p:ext uri="{BB962C8B-B14F-4D97-AF65-F5344CB8AC3E}">
@@ -11296,6 +11356,81 @@
   <p:clrMapOvr>
     <a:masterClrMapping/>
   </p:clrMapOvr>
+  <p:timing>
+    <p:tnLst>
+      <p:par>
+        <p:cTn id="1" dur="indefinite" restart="never" nodeType="tmRoot">
+          <p:childTnLst>
+            <p:seq concurrent="1" nextAc="seek">
+              <p:cTn id="2" dur="indefinite" nodeType="mainSeq">
+                <p:childTnLst>
+                  <p:par>
+                    <p:cTn id="3" fill="hold">
+                      <p:stCondLst>
+                        <p:cond delay="indefinite"/>
+                      </p:stCondLst>
+                      <p:childTnLst>
+                        <p:par>
+                          <p:cTn id="4" fill="hold">
+                            <p:stCondLst>
+                              <p:cond delay="0"/>
+                            </p:stCondLst>
+                            <p:childTnLst>
+                              <p:par>
+                                <p:cTn id="5" presetID="1" presetClass="entr" presetSubtype="0" fill="hold" nodeType="clickEffect">
+                                  <p:stCondLst>
+                                    <p:cond delay="0"/>
+                                  </p:stCondLst>
+                                  <p:childTnLst>
+                                    <p:set>
+                                      <p:cBhvr>
+                                        <p:cTn id="6" dur="1" fill="hold">
+                                          <p:stCondLst>
+                                            <p:cond delay="0"/>
+                                          </p:stCondLst>
+                                        </p:cTn>
+                                        <p:tgtEl>
+                                          <p:spTgt spid="2"/>
+                                        </p:tgtEl>
+                                        <p:attrNameLst>
+                                          <p:attrName>style.visibility</p:attrName>
+                                        </p:attrNameLst>
+                                      </p:cBhvr>
+                                      <p:to>
+                                        <p:strVal val="visible"/>
+                                      </p:to>
+                                    </p:set>
+                                  </p:childTnLst>
+                                </p:cTn>
+                              </p:par>
+                            </p:childTnLst>
+                          </p:cTn>
+                        </p:par>
+                      </p:childTnLst>
+                    </p:cTn>
+                  </p:par>
+                </p:childTnLst>
+              </p:cTn>
+              <p:prevCondLst>
+                <p:cond evt="onPrev" delay="0">
+                  <p:tgtEl>
+                    <p:sldTgt/>
+                  </p:tgtEl>
+                </p:cond>
+              </p:prevCondLst>
+              <p:nextCondLst>
+                <p:cond evt="onNext" delay="0">
+                  <p:tgtEl>
+                    <p:sldTgt/>
+                  </p:tgtEl>
+                </p:cond>
+              </p:nextCondLst>
+            </p:seq>
+          </p:childTnLst>
+        </p:cTn>
+      </p:par>
+    </p:tnLst>
+  </p:timing>
 </p:sld>
 </file>
 
@@ -13158,6 +13293,15 @@
 </file>
 
 <file path=customXml/item1.xml><?xml version="1.0" encoding="utf-8"?>
+<?mso-contentType ?>
+<FormTemplates xmlns="http://schemas.microsoft.com/sharepoint/v3/contenttype/forms">
+  <Display>DocumentLibraryForm</Display>
+  <Edit>DocumentLibraryForm</Edit>
+  <New>DocumentLibraryForm</New>
+</FormTemplates>
+</file>
+
+<file path=customXml/item2.xml><?xml version="1.0" encoding="utf-8"?>
 <p:properties xmlns:p="http://schemas.microsoft.com/office/2006/metadata/properties" xmlns:xsi="http://www.w3.org/2001/XMLSchema-instance" xmlns:pc="http://schemas.microsoft.com/office/infopath/2007/PartnerControls">
   <documentManagement>
     <lcf76f155ced4ddcb4097134ff3c332f xmlns="0e8859f4-fa33-424c-952b-57ce727b2450">
@@ -13166,15 +13310,6 @@
     <TaxCatchAll xmlns="257f3c2a-5853-4866-b7ff-3133bfdbfb1e" xsi:nil="true"/>
   </documentManagement>
 </p:properties>
-</file>
-
-<file path=customXml/item2.xml><?xml version="1.0" encoding="utf-8"?>
-<?mso-contentType ?>
-<FormTemplates xmlns="http://schemas.microsoft.com/sharepoint/v3/contenttype/forms">
-  <Display>DocumentLibraryForm</Display>
-  <Edit>DocumentLibraryForm</Edit>
-  <New>DocumentLibraryForm</New>
-</FormTemplates>
 </file>
 
 <file path=customXml/item3.xml><?xml version="1.0" encoding="utf-8"?>
@@ -13415,6 +13550,14 @@
 </file>
 
 <file path=customXml/itemProps1.xml><?xml version="1.0" encoding="utf-8"?>
+<ds:datastoreItem xmlns:ds="http://schemas.openxmlformats.org/officeDocument/2006/customXml" ds:itemID="{9107F570-5385-48DF-BC64-79E4F8043773}">
+  <ds:schemaRefs>
+    <ds:schemaRef ds:uri="http://schemas.microsoft.com/sharepoint/v3/contenttype/forms"/>
+  </ds:schemaRefs>
+</ds:datastoreItem>
+</file>
+
+<file path=customXml/itemProps2.xml><?xml version="1.0" encoding="utf-8"?>
 <ds:datastoreItem xmlns:ds="http://schemas.openxmlformats.org/officeDocument/2006/customXml" ds:itemID="{DE1D840F-07FF-4399-AD55-9F39D4A5EABA}">
   <ds:schemaRefs>
     <ds:schemaRef ds:uri="http://purl.org/dc/dcmitype/"/>
@@ -13427,14 +13570,6 @@
     <ds:schemaRef ds:uri="http://purl.org/dc/elements/1.1/"/>
     <ds:schemaRef ds:uri="0e8859f4-fa33-424c-952b-57ce727b2450"/>
     <ds:schemaRef ds:uri="257f3c2a-5853-4866-b7ff-3133bfdbfb1e"/>
-  </ds:schemaRefs>
-</ds:datastoreItem>
-</file>
-
-<file path=customXml/itemProps2.xml><?xml version="1.0" encoding="utf-8"?>
-<ds:datastoreItem xmlns:ds="http://schemas.openxmlformats.org/officeDocument/2006/customXml" ds:itemID="{9107F570-5385-48DF-BC64-79E4F8043773}">
-  <ds:schemaRefs>
-    <ds:schemaRef ds:uri="http://schemas.microsoft.com/sharepoint/v3/contenttype/forms"/>
   </ds:schemaRefs>
 </ds:datastoreItem>
 </file>
